--- a/240403/react structure.pptx
+++ b/240403/react structure.pptx
@@ -105,6 +105,11 @@
       </a:defRPr>
     </a:lvl9pPr>
   </p:defaultTextStyle>
+  <p:extLst>
+    <p:ext uri="{EFAFB233-063F-42B5-8137-9DF3F51BA10A}">
+      <p15:sldGuideLst xmlns:p15="http://schemas.microsoft.com/office/powerpoint/2012/main"/>
+    </p:ext>
+  </p:extLst>
 </p:presentation>
 </file>
 
@@ -239,7 +244,7 @@
           <a:p>
             <a:fld id="{A07A7A0C-45D4-4D83-88CA-8B53A22845E6}" type="datetimeFigureOut">
               <a:rPr lang="ko-KR" altLang="en-US" smtClean="0"/>
-              <a:t>2024-04-03</a:t>
+              <a:t>2024-04-04</a:t>
             </a:fld>
             <a:endParaRPr lang="ko-KR" altLang="en-US"/>
           </a:p>
@@ -409,7 +414,7 @@
           <a:p>
             <a:fld id="{A07A7A0C-45D4-4D83-88CA-8B53A22845E6}" type="datetimeFigureOut">
               <a:rPr lang="ko-KR" altLang="en-US" smtClean="0"/>
-              <a:t>2024-04-03</a:t>
+              <a:t>2024-04-04</a:t>
             </a:fld>
             <a:endParaRPr lang="ko-KR" altLang="en-US"/>
           </a:p>
@@ -589,7 +594,7 @@
           <a:p>
             <a:fld id="{A07A7A0C-45D4-4D83-88CA-8B53A22845E6}" type="datetimeFigureOut">
               <a:rPr lang="ko-KR" altLang="en-US" smtClean="0"/>
-              <a:t>2024-04-03</a:t>
+              <a:t>2024-04-04</a:t>
             </a:fld>
             <a:endParaRPr lang="ko-KR" altLang="en-US"/>
           </a:p>
@@ -759,7 +764,7 @@
           <a:p>
             <a:fld id="{A07A7A0C-45D4-4D83-88CA-8B53A22845E6}" type="datetimeFigureOut">
               <a:rPr lang="ko-KR" altLang="en-US" smtClean="0"/>
-              <a:t>2024-04-03</a:t>
+              <a:t>2024-04-04</a:t>
             </a:fld>
             <a:endParaRPr lang="ko-KR" altLang="en-US"/>
           </a:p>
@@ -1005,7 +1010,7 @@
           <a:p>
             <a:fld id="{A07A7A0C-45D4-4D83-88CA-8B53A22845E6}" type="datetimeFigureOut">
               <a:rPr lang="ko-KR" altLang="en-US" smtClean="0"/>
-              <a:t>2024-04-03</a:t>
+              <a:t>2024-04-04</a:t>
             </a:fld>
             <a:endParaRPr lang="ko-KR" altLang="en-US"/>
           </a:p>
@@ -1237,7 +1242,7 @@
           <a:p>
             <a:fld id="{A07A7A0C-45D4-4D83-88CA-8B53A22845E6}" type="datetimeFigureOut">
               <a:rPr lang="ko-KR" altLang="en-US" smtClean="0"/>
-              <a:t>2024-04-03</a:t>
+              <a:t>2024-04-04</a:t>
             </a:fld>
             <a:endParaRPr lang="ko-KR" altLang="en-US"/>
           </a:p>
@@ -1604,7 +1609,7 @@
           <a:p>
             <a:fld id="{A07A7A0C-45D4-4D83-88CA-8B53A22845E6}" type="datetimeFigureOut">
               <a:rPr lang="ko-KR" altLang="en-US" smtClean="0"/>
-              <a:t>2024-04-03</a:t>
+              <a:t>2024-04-04</a:t>
             </a:fld>
             <a:endParaRPr lang="ko-KR" altLang="en-US"/>
           </a:p>
@@ -1722,7 +1727,7 @@
           <a:p>
             <a:fld id="{A07A7A0C-45D4-4D83-88CA-8B53A22845E6}" type="datetimeFigureOut">
               <a:rPr lang="ko-KR" altLang="en-US" smtClean="0"/>
-              <a:t>2024-04-03</a:t>
+              <a:t>2024-04-04</a:t>
             </a:fld>
             <a:endParaRPr lang="ko-KR" altLang="en-US"/>
           </a:p>
@@ -1817,7 +1822,7 @@
           <a:p>
             <a:fld id="{A07A7A0C-45D4-4D83-88CA-8B53A22845E6}" type="datetimeFigureOut">
               <a:rPr lang="ko-KR" altLang="en-US" smtClean="0"/>
-              <a:t>2024-04-03</a:t>
+              <a:t>2024-04-04</a:t>
             </a:fld>
             <a:endParaRPr lang="ko-KR" altLang="en-US"/>
           </a:p>
@@ -2094,7 +2099,7 @@
           <a:p>
             <a:fld id="{A07A7A0C-45D4-4D83-88CA-8B53A22845E6}" type="datetimeFigureOut">
               <a:rPr lang="ko-KR" altLang="en-US" smtClean="0"/>
-              <a:t>2024-04-03</a:t>
+              <a:t>2024-04-04</a:t>
             </a:fld>
             <a:endParaRPr lang="ko-KR" altLang="en-US"/>
           </a:p>
@@ -2347,7 +2352,7 @@
           <a:p>
             <a:fld id="{A07A7A0C-45D4-4D83-88CA-8B53A22845E6}" type="datetimeFigureOut">
               <a:rPr lang="ko-KR" altLang="en-US" smtClean="0"/>
-              <a:t>2024-04-03</a:t>
+              <a:t>2024-04-04</a:t>
             </a:fld>
             <a:endParaRPr lang="ko-KR" altLang="en-US"/>
           </a:p>
@@ -2560,7 +2565,7 @@
           <a:p>
             <a:fld id="{A07A7A0C-45D4-4D83-88CA-8B53A22845E6}" type="datetimeFigureOut">
               <a:rPr lang="ko-KR" altLang="en-US" smtClean="0"/>
-              <a:t>2024-04-03</a:t>
+              <a:t>2024-04-04</a:t>
             </a:fld>
             <a:endParaRPr lang="ko-KR" altLang="en-US"/>
           </a:p>

--- a/240403/react structure.pptx
+++ b/240403/react structure.pptx
@@ -7,6 +7,8 @@
   <p:sldIdLst>
     <p:sldId id="256" r:id="rId2"/>
     <p:sldId id="257" r:id="rId3"/>
+    <p:sldId id="258" r:id="rId4"/>
+    <p:sldId id="259" r:id="rId5"/>
   </p:sldIdLst>
   <p:sldSz cx="12192000" cy="6858000"/>
   <p:notesSz cx="6858000" cy="9144000"/>
@@ -244,7 +246,7 @@
           <a:p>
             <a:fld id="{A07A7A0C-45D4-4D83-88CA-8B53A22845E6}" type="datetimeFigureOut">
               <a:rPr lang="ko-KR" altLang="en-US" smtClean="0"/>
-              <a:t>2024-04-04</a:t>
+              <a:t>2024-04-05</a:t>
             </a:fld>
             <a:endParaRPr lang="ko-KR" altLang="en-US"/>
           </a:p>
@@ -414,7 +416,7 @@
           <a:p>
             <a:fld id="{A07A7A0C-45D4-4D83-88CA-8B53A22845E6}" type="datetimeFigureOut">
               <a:rPr lang="ko-KR" altLang="en-US" smtClean="0"/>
-              <a:t>2024-04-04</a:t>
+              <a:t>2024-04-05</a:t>
             </a:fld>
             <a:endParaRPr lang="ko-KR" altLang="en-US"/>
           </a:p>
@@ -594,7 +596,7 @@
           <a:p>
             <a:fld id="{A07A7A0C-45D4-4D83-88CA-8B53A22845E6}" type="datetimeFigureOut">
               <a:rPr lang="ko-KR" altLang="en-US" smtClean="0"/>
-              <a:t>2024-04-04</a:t>
+              <a:t>2024-04-05</a:t>
             </a:fld>
             <a:endParaRPr lang="ko-KR" altLang="en-US"/>
           </a:p>
@@ -764,7 +766,7 @@
           <a:p>
             <a:fld id="{A07A7A0C-45D4-4D83-88CA-8B53A22845E6}" type="datetimeFigureOut">
               <a:rPr lang="ko-KR" altLang="en-US" smtClean="0"/>
-              <a:t>2024-04-04</a:t>
+              <a:t>2024-04-05</a:t>
             </a:fld>
             <a:endParaRPr lang="ko-KR" altLang="en-US"/>
           </a:p>
@@ -1010,7 +1012,7 @@
           <a:p>
             <a:fld id="{A07A7A0C-45D4-4D83-88CA-8B53A22845E6}" type="datetimeFigureOut">
               <a:rPr lang="ko-KR" altLang="en-US" smtClean="0"/>
-              <a:t>2024-04-04</a:t>
+              <a:t>2024-04-05</a:t>
             </a:fld>
             <a:endParaRPr lang="ko-KR" altLang="en-US"/>
           </a:p>
@@ -1242,7 +1244,7 @@
           <a:p>
             <a:fld id="{A07A7A0C-45D4-4D83-88CA-8B53A22845E6}" type="datetimeFigureOut">
               <a:rPr lang="ko-KR" altLang="en-US" smtClean="0"/>
-              <a:t>2024-04-04</a:t>
+              <a:t>2024-04-05</a:t>
             </a:fld>
             <a:endParaRPr lang="ko-KR" altLang="en-US"/>
           </a:p>
@@ -1609,7 +1611,7 @@
           <a:p>
             <a:fld id="{A07A7A0C-45D4-4D83-88CA-8B53A22845E6}" type="datetimeFigureOut">
               <a:rPr lang="ko-KR" altLang="en-US" smtClean="0"/>
-              <a:t>2024-04-04</a:t>
+              <a:t>2024-04-05</a:t>
             </a:fld>
             <a:endParaRPr lang="ko-KR" altLang="en-US"/>
           </a:p>
@@ -1727,7 +1729,7 @@
           <a:p>
             <a:fld id="{A07A7A0C-45D4-4D83-88CA-8B53A22845E6}" type="datetimeFigureOut">
               <a:rPr lang="ko-KR" altLang="en-US" smtClean="0"/>
-              <a:t>2024-04-04</a:t>
+              <a:t>2024-04-05</a:t>
             </a:fld>
             <a:endParaRPr lang="ko-KR" altLang="en-US"/>
           </a:p>
@@ -1822,7 +1824,7 @@
           <a:p>
             <a:fld id="{A07A7A0C-45D4-4D83-88CA-8B53A22845E6}" type="datetimeFigureOut">
               <a:rPr lang="ko-KR" altLang="en-US" smtClean="0"/>
-              <a:t>2024-04-04</a:t>
+              <a:t>2024-04-05</a:t>
             </a:fld>
             <a:endParaRPr lang="ko-KR" altLang="en-US"/>
           </a:p>
@@ -2099,7 +2101,7 @@
           <a:p>
             <a:fld id="{A07A7A0C-45D4-4D83-88CA-8B53A22845E6}" type="datetimeFigureOut">
               <a:rPr lang="ko-KR" altLang="en-US" smtClean="0"/>
-              <a:t>2024-04-04</a:t>
+              <a:t>2024-04-05</a:t>
             </a:fld>
             <a:endParaRPr lang="ko-KR" altLang="en-US"/>
           </a:p>
@@ -2352,7 +2354,7 @@
           <a:p>
             <a:fld id="{A07A7A0C-45D4-4D83-88CA-8B53A22845E6}" type="datetimeFigureOut">
               <a:rPr lang="ko-KR" altLang="en-US" smtClean="0"/>
-              <a:t>2024-04-04</a:t>
+              <a:t>2024-04-05</a:t>
             </a:fld>
             <a:endParaRPr lang="ko-KR" altLang="en-US"/>
           </a:p>
@@ -2565,7 +2567,7 @@
           <a:p>
             <a:fld id="{A07A7A0C-45D4-4D83-88CA-8B53A22845E6}" type="datetimeFigureOut">
               <a:rPr lang="ko-KR" altLang="en-US" smtClean="0"/>
-              <a:t>2024-04-04</a:t>
+              <a:t>2024-04-05</a:t>
             </a:fld>
             <a:endParaRPr lang="ko-KR" altLang="en-US"/>
           </a:p>
@@ -4070,6 +4072,1224 @@
 </p:sld>
 </file>
 
+<file path=ppt/slides/slide3.xml><?xml version="1.0" encoding="utf-8"?>
+<p:sld xmlns:a="http://schemas.openxmlformats.org/drawingml/2006/main" xmlns:r="http://schemas.openxmlformats.org/officeDocument/2006/relationships" xmlns:p="http://schemas.openxmlformats.org/presentationml/2006/main">
+  <p:cSld>
+    <p:spTree>
+      <p:nvGrpSpPr>
+        <p:cNvPr id="1" name=""/>
+        <p:cNvGrpSpPr/>
+        <p:nvPr/>
+      </p:nvGrpSpPr>
+      <p:grpSpPr>
+        <a:xfrm>
+          <a:off x="0" y="0"/>
+          <a:ext cx="0" cy="0"/>
+          <a:chOff x="0" y="0"/>
+          <a:chExt cx="0" cy="0"/>
+        </a:xfrm>
+      </p:grpSpPr>
+      <p:sp>
+        <p:nvSpPr>
+          <p:cNvPr id="20" name="TextBox 19"/>
+          <p:cNvSpPr txBox="1"/>
+          <p:nvPr/>
+        </p:nvSpPr>
+        <p:spPr>
+          <a:xfrm>
+            <a:off x="610870" y="302379"/>
+            <a:ext cx="4431030" cy="369332"/>
+          </a:xfrm>
+          <a:prstGeom prst="rect">
+            <a:avLst/>
+          </a:prstGeom>
+          <a:noFill/>
+        </p:spPr>
+        <p:txBody>
+          <a:bodyPr wrap="square" rtlCol="0">
+            <a:spAutoFit/>
+          </a:bodyPr>
+          <a:lstStyle/>
+          <a:p>
+            <a:pPr algn="ctr"/>
+            <a:r>
+              <a:rPr lang="en-US" altLang="ko-KR" dirty="0" err="1" smtClean="0"/>
+              <a:t>TodoList</a:t>
+            </a:r>
+            <a:r>
+              <a:rPr lang="en-US" altLang="ko-KR" dirty="0" smtClean="0"/>
+              <a:t> </a:t>
+            </a:r>
+            <a:r>
+              <a:rPr lang="ko-KR" altLang="en-US" dirty="0" err="1" smtClean="0"/>
+              <a:t>앱의</a:t>
+            </a:r>
+            <a:r>
+              <a:rPr lang="ko-KR" altLang="en-US" dirty="0" smtClean="0"/>
+              <a:t> </a:t>
+            </a:r>
+            <a:r>
+              <a:rPr lang="en-US" altLang="ko-KR" dirty="0" smtClean="0"/>
+              <a:t>Component </a:t>
+            </a:r>
+            <a:r>
+              <a:rPr lang="ko-KR" altLang="en-US" dirty="0" smtClean="0"/>
+              <a:t>구조</a:t>
+            </a:r>
+            <a:endParaRPr lang="ko-KR" altLang="en-US" dirty="0"/>
+          </a:p>
+        </p:txBody>
+      </p:sp>
+      <p:sp>
+        <p:nvSpPr>
+          <p:cNvPr id="21" name="TextBox 20"/>
+          <p:cNvSpPr txBox="1"/>
+          <p:nvPr/>
+        </p:nvSpPr>
+        <p:spPr>
+          <a:xfrm>
+            <a:off x="5214430" y="1229479"/>
+            <a:ext cx="1484630" cy="369332"/>
+          </a:xfrm>
+          <a:prstGeom prst="rect">
+            <a:avLst/>
+          </a:prstGeom>
+          <a:noFill/>
+        </p:spPr>
+        <p:txBody>
+          <a:bodyPr wrap="square" rtlCol="0">
+            <a:spAutoFit/>
+          </a:bodyPr>
+          <a:lstStyle/>
+          <a:p>
+            <a:pPr algn="ctr"/>
+            <a:r>
+              <a:rPr lang="en-US" altLang="ko-KR" dirty="0" smtClean="0"/>
+              <a:t>App</a:t>
+            </a:r>
+            <a:endParaRPr lang="ko-KR" altLang="en-US" dirty="0"/>
+          </a:p>
+        </p:txBody>
+      </p:sp>
+      <p:sp>
+        <p:nvSpPr>
+          <p:cNvPr id="22" name="TextBox 21"/>
+          <p:cNvSpPr txBox="1"/>
+          <p:nvPr/>
+        </p:nvSpPr>
+        <p:spPr>
+          <a:xfrm>
+            <a:off x="8236585" y="3561080"/>
+            <a:ext cx="1484630" cy="369332"/>
+          </a:xfrm>
+          <a:prstGeom prst="rect">
+            <a:avLst/>
+          </a:prstGeom>
+          <a:noFill/>
+        </p:spPr>
+        <p:txBody>
+          <a:bodyPr wrap="square" rtlCol="0">
+            <a:spAutoFit/>
+          </a:bodyPr>
+          <a:lstStyle/>
+          <a:p>
+            <a:pPr algn="ctr"/>
+            <a:r>
+              <a:rPr lang="en-US" altLang="ko-KR" dirty="0" err="1" smtClean="0"/>
+              <a:t>TodoList</a:t>
+            </a:r>
+            <a:endParaRPr lang="ko-KR" altLang="en-US" dirty="0"/>
+          </a:p>
+        </p:txBody>
+      </p:sp>
+      <p:sp>
+        <p:nvSpPr>
+          <p:cNvPr id="23" name="TextBox 22"/>
+          <p:cNvSpPr txBox="1"/>
+          <p:nvPr/>
+        </p:nvSpPr>
+        <p:spPr>
+          <a:xfrm>
+            <a:off x="3271330" y="2664579"/>
+            <a:ext cx="1484630" cy="369332"/>
+          </a:xfrm>
+          <a:prstGeom prst="rect">
+            <a:avLst/>
+          </a:prstGeom>
+          <a:noFill/>
+        </p:spPr>
+        <p:txBody>
+          <a:bodyPr wrap="square" rtlCol="0">
+            <a:spAutoFit/>
+          </a:bodyPr>
+          <a:lstStyle/>
+          <a:p>
+            <a:pPr algn="ctr"/>
+            <a:r>
+              <a:rPr lang="en-US" altLang="ko-KR" dirty="0" smtClean="0"/>
+              <a:t>Header</a:t>
+            </a:r>
+            <a:endParaRPr lang="ko-KR" altLang="en-US" dirty="0"/>
+          </a:p>
+        </p:txBody>
+      </p:sp>
+      <p:sp>
+        <p:nvSpPr>
+          <p:cNvPr id="24" name="TextBox 23"/>
+          <p:cNvSpPr txBox="1"/>
+          <p:nvPr/>
+        </p:nvSpPr>
+        <p:spPr>
+          <a:xfrm>
+            <a:off x="6280785" y="3561080"/>
+            <a:ext cx="1484630" cy="369332"/>
+          </a:xfrm>
+          <a:prstGeom prst="rect">
+            <a:avLst/>
+          </a:prstGeom>
+          <a:noFill/>
+        </p:spPr>
+        <p:txBody>
+          <a:bodyPr wrap="square" rtlCol="0">
+            <a:spAutoFit/>
+          </a:bodyPr>
+          <a:lstStyle/>
+          <a:p>
+            <a:pPr algn="ctr"/>
+            <a:r>
+              <a:rPr lang="en-US" altLang="ko-KR" dirty="0" err="1" smtClean="0"/>
+              <a:t>TodoEditor</a:t>
+            </a:r>
+            <a:endParaRPr lang="ko-KR" altLang="en-US" dirty="0"/>
+          </a:p>
+        </p:txBody>
+      </p:sp>
+      <p:sp>
+        <p:nvSpPr>
+          <p:cNvPr id="25" name="TextBox 24"/>
+          <p:cNvSpPr txBox="1"/>
+          <p:nvPr/>
+        </p:nvSpPr>
+        <p:spPr>
+          <a:xfrm>
+            <a:off x="7845361" y="5034637"/>
+            <a:ext cx="1484630" cy="369332"/>
+          </a:xfrm>
+          <a:prstGeom prst="rect">
+            <a:avLst/>
+          </a:prstGeom>
+          <a:noFill/>
+        </p:spPr>
+        <p:txBody>
+          <a:bodyPr wrap="square" rtlCol="0">
+            <a:spAutoFit/>
+          </a:bodyPr>
+          <a:lstStyle/>
+          <a:p>
+            <a:pPr algn="ctr"/>
+            <a:r>
+              <a:rPr lang="en-US" altLang="ko-KR" dirty="0" err="1" smtClean="0"/>
+              <a:t>TodoItem</a:t>
+            </a:r>
+            <a:endParaRPr lang="ko-KR" altLang="en-US" dirty="0"/>
+          </a:p>
+        </p:txBody>
+      </p:sp>
+      <p:cxnSp>
+        <p:nvCxnSpPr>
+          <p:cNvPr id="26" name="직선 연결선 25"/>
+          <p:cNvCxnSpPr/>
+          <p:nvPr/>
+        </p:nvCxnSpPr>
+        <p:spPr>
+          <a:xfrm>
+            <a:off x="6334252" y="1714500"/>
+            <a:ext cx="1590993" cy="950079"/>
+          </a:xfrm>
+          <a:prstGeom prst="line">
+            <a:avLst/>
+          </a:prstGeom>
+        </p:spPr>
+        <p:style>
+          <a:lnRef idx="1">
+            <a:schemeClr val="accent1"/>
+          </a:lnRef>
+          <a:fillRef idx="0">
+            <a:schemeClr val="accent1"/>
+          </a:fillRef>
+          <a:effectRef idx="0">
+            <a:schemeClr val="accent1"/>
+          </a:effectRef>
+          <a:fontRef idx="minor">
+            <a:schemeClr val="tx1"/>
+          </a:fontRef>
+        </p:style>
+      </p:cxnSp>
+      <p:cxnSp>
+        <p:nvCxnSpPr>
+          <p:cNvPr id="28" name="직선 연결선 27"/>
+          <p:cNvCxnSpPr/>
+          <p:nvPr/>
+        </p:nvCxnSpPr>
+        <p:spPr>
+          <a:xfrm flipH="1">
+            <a:off x="4026345" y="1714500"/>
+            <a:ext cx="1471930" cy="950079"/>
+          </a:xfrm>
+          <a:prstGeom prst="line">
+            <a:avLst/>
+          </a:prstGeom>
+        </p:spPr>
+        <p:style>
+          <a:lnRef idx="1">
+            <a:schemeClr val="accent1"/>
+          </a:lnRef>
+          <a:fillRef idx="0">
+            <a:schemeClr val="accent1"/>
+          </a:fillRef>
+          <a:effectRef idx="0">
+            <a:schemeClr val="accent1"/>
+          </a:effectRef>
+          <a:fontRef idx="minor">
+            <a:schemeClr val="tx1"/>
+          </a:fontRef>
+        </p:style>
+      </p:cxnSp>
+      <p:sp>
+        <p:nvSpPr>
+          <p:cNvPr id="2" name="모서리가 둥근 직사각형 1"/>
+          <p:cNvSpPr/>
+          <p:nvPr/>
+        </p:nvSpPr>
+        <p:spPr>
+          <a:xfrm>
+            <a:off x="5929312" y="3033911"/>
+            <a:ext cx="4614545" cy="2926080"/>
+          </a:xfrm>
+          <a:prstGeom prst="roundRect">
+            <a:avLst/>
+          </a:prstGeom>
+          <a:noFill/>
+          <a:ln w="19050"/>
+        </p:spPr>
+        <p:style>
+          <a:lnRef idx="2">
+            <a:schemeClr val="accent1">
+              <a:shade val="50000"/>
+            </a:schemeClr>
+          </a:lnRef>
+          <a:fillRef idx="1">
+            <a:schemeClr val="accent1"/>
+          </a:fillRef>
+          <a:effectRef idx="0">
+            <a:schemeClr val="accent1"/>
+          </a:effectRef>
+          <a:fontRef idx="minor">
+            <a:schemeClr val="lt1"/>
+          </a:fontRef>
+        </p:style>
+        <p:txBody>
+          <a:bodyPr rtlCol="0" anchor="ctr"/>
+          <a:lstStyle/>
+          <a:p>
+            <a:pPr algn="ctr"/>
+            <a:endParaRPr lang="ko-KR" altLang="en-US"/>
+          </a:p>
+        </p:txBody>
+      </p:sp>
+      <p:sp>
+        <p:nvSpPr>
+          <p:cNvPr id="14" name="TextBox 13"/>
+          <p:cNvSpPr txBox="1"/>
+          <p:nvPr/>
+        </p:nvSpPr>
+        <p:spPr>
+          <a:xfrm>
+            <a:off x="6885686" y="2664579"/>
+            <a:ext cx="4036123" cy="369332"/>
+          </a:xfrm>
+          <a:prstGeom prst="rect">
+            <a:avLst/>
+          </a:prstGeom>
+          <a:noFill/>
+        </p:spPr>
+        <p:txBody>
+          <a:bodyPr wrap="square" rtlCol="0">
+            <a:spAutoFit/>
+          </a:bodyPr>
+          <a:lstStyle/>
+          <a:p>
+            <a:pPr algn="ctr"/>
+            <a:r>
+              <a:rPr lang="en-US" altLang="ko-KR" dirty="0" err="1" smtClean="0"/>
+              <a:t>TodoContext</a:t>
+            </a:r>
+            <a:r>
+              <a:rPr lang="en-US" altLang="ko-KR" dirty="0" smtClean="0"/>
+              <a:t> =&gt; </a:t>
+            </a:r>
+            <a:r>
+              <a:rPr lang="ko-KR" altLang="en-US" dirty="0" smtClean="0"/>
+              <a:t>데이터 보관소</a:t>
+            </a:r>
+            <a:endParaRPr lang="ko-KR" altLang="en-US" dirty="0"/>
+          </a:p>
+        </p:txBody>
+      </p:sp>
+      <p:cxnSp>
+        <p:nvCxnSpPr>
+          <p:cNvPr id="7" name="직선 화살표 연결선 6"/>
+          <p:cNvCxnSpPr/>
+          <p:nvPr/>
+        </p:nvCxnSpPr>
+        <p:spPr>
+          <a:xfrm>
+            <a:off x="7947691" y="3101356"/>
+            <a:ext cx="550133" cy="1775444"/>
+          </a:xfrm>
+          <a:prstGeom prst="straightConnector1">
+            <a:avLst/>
+          </a:prstGeom>
+          <a:ln>
+            <a:tailEnd type="triangle"/>
+          </a:ln>
+        </p:spPr>
+        <p:style>
+          <a:lnRef idx="1">
+            <a:schemeClr val="accent1"/>
+          </a:lnRef>
+          <a:fillRef idx="0">
+            <a:schemeClr val="accent1"/>
+          </a:fillRef>
+          <a:effectRef idx="0">
+            <a:schemeClr val="accent1"/>
+          </a:effectRef>
+          <a:fontRef idx="minor">
+            <a:schemeClr val="tx1"/>
+          </a:fontRef>
+        </p:style>
+      </p:cxnSp>
+      <p:cxnSp>
+        <p:nvCxnSpPr>
+          <p:cNvPr id="19" name="직선 화살표 연결선 18"/>
+          <p:cNvCxnSpPr/>
+          <p:nvPr/>
+        </p:nvCxnSpPr>
+        <p:spPr>
+          <a:xfrm>
+            <a:off x="8366188" y="3101356"/>
+            <a:ext cx="442976" cy="459724"/>
+          </a:xfrm>
+          <a:prstGeom prst="straightConnector1">
+            <a:avLst/>
+          </a:prstGeom>
+          <a:ln>
+            <a:tailEnd type="triangle"/>
+          </a:ln>
+        </p:spPr>
+        <p:style>
+          <a:lnRef idx="1">
+            <a:schemeClr val="accent1"/>
+          </a:lnRef>
+          <a:fillRef idx="0">
+            <a:schemeClr val="accent1"/>
+          </a:fillRef>
+          <a:effectRef idx="0">
+            <a:schemeClr val="accent1"/>
+          </a:effectRef>
+          <a:fontRef idx="minor">
+            <a:schemeClr val="tx1"/>
+          </a:fontRef>
+        </p:style>
+      </p:cxnSp>
+      <p:cxnSp>
+        <p:nvCxnSpPr>
+          <p:cNvPr id="27" name="직선 화살표 연결선 26"/>
+          <p:cNvCxnSpPr/>
+          <p:nvPr/>
+        </p:nvCxnSpPr>
+        <p:spPr>
+          <a:xfrm flipH="1">
+            <a:off x="7120636" y="3101356"/>
+            <a:ext cx="291656" cy="459724"/>
+          </a:xfrm>
+          <a:prstGeom prst="straightConnector1">
+            <a:avLst/>
+          </a:prstGeom>
+          <a:ln>
+            <a:tailEnd type="triangle"/>
+          </a:ln>
+        </p:spPr>
+        <p:style>
+          <a:lnRef idx="1">
+            <a:schemeClr val="accent1"/>
+          </a:lnRef>
+          <a:fillRef idx="0">
+            <a:schemeClr val="accent1"/>
+          </a:fillRef>
+          <a:effectRef idx="0">
+            <a:schemeClr val="accent1"/>
+          </a:effectRef>
+          <a:fontRef idx="minor">
+            <a:schemeClr val="tx1"/>
+          </a:fontRef>
+        </p:style>
+      </p:cxnSp>
+    </p:spTree>
+    <p:extLst>
+      <p:ext uri="{BB962C8B-B14F-4D97-AF65-F5344CB8AC3E}">
+        <p14:creationId xmlns:p14="http://schemas.microsoft.com/office/powerpoint/2010/main" val="3101563059"/>
+      </p:ext>
+    </p:extLst>
+  </p:cSld>
+  <p:clrMapOvr>
+    <a:masterClrMapping/>
+  </p:clrMapOvr>
+</p:sld>
+</file>
+
+<file path=ppt/slides/slide4.xml><?xml version="1.0" encoding="utf-8"?>
+<p:sld xmlns:a="http://schemas.openxmlformats.org/drawingml/2006/main" xmlns:r="http://schemas.openxmlformats.org/officeDocument/2006/relationships" xmlns:p="http://schemas.openxmlformats.org/presentationml/2006/main">
+  <p:cSld>
+    <p:spTree>
+      <p:nvGrpSpPr>
+        <p:cNvPr id="1" name=""/>
+        <p:cNvGrpSpPr/>
+        <p:nvPr/>
+      </p:nvGrpSpPr>
+      <p:grpSpPr>
+        <a:xfrm>
+          <a:off x="0" y="0"/>
+          <a:ext cx="0" cy="0"/>
+          <a:chOff x="0" y="0"/>
+          <a:chExt cx="0" cy="0"/>
+        </a:xfrm>
+      </p:grpSpPr>
+      <p:sp>
+        <p:nvSpPr>
+          <p:cNvPr id="20" name="TextBox 19"/>
+          <p:cNvSpPr txBox="1"/>
+          <p:nvPr/>
+        </p:nvSpPr>
+        <p:spPr>
+          <a:xfrm>
+            <a:off x="610870" y="302379"/>
+            <a:ext cx="4431030" cy="369332"/>
+          </a:xfrm>
+          <a:prstGeom prst="rect">
+            <a:avLst/>
+          </a:prstGeom>
+          <a:noFill/>
+        </p:spPr>
+        <p:txBody>
+          <a:bodyPr wrap="square" rtlCol="0">
+            <a:spAutoFit/>
+          </a:bodyPr>
+          <a:lstStyle/>
+          <a:p>
+            <a:pPr algn="ctr"/>
+            <a:r>
+              <a:rPr lang="en-US" altLang="ko-KR" dirty="0" err="1" smtClean="0"/>
+              <a:t>TodoList</a:t>
+            </a:r>
+            <a:r>
+              <a:rPr lang="en-US" altLang="ko-KR" dirty="0" smtClean="0"/>
+              <a:t> </a:t>
+            </a:r>
+            <a:r>
+              <a:rPr lang="ko-KR" altLang="en-US" dirty="0" err="1" smtClean="0"/>
+              <a:t>앱의</a:t>
+            </a:r>
+            <a:r>
+              <a:rPr lang="ko-KR" altLang="en-US" dirty="0" smtClean="0"/>
+              <a:t> </a:t>
+            </a:r>
+            <a:r>
+              <a:rPr lang="en-US" altLang="ko-KR" dirty="0" smtClean="0"/>
+              <a:t>Component </a:t>
+            </a:r>
+            <a:r>
+              <a:rPr lang="ko-KR" altLang="en-US" dirty="0" smtClean="0"/>
+              <a:t>구조</a:t>
+            </a:r>
+            <a:endParaRPr lang="ko-KR" altLang="en-US" dirty="0"/>
+          </a:p>
+        </p:txBody>
+      </p:sp>
+      <p:sp>
+        <p:nvSpPr>
+          <p:cNvPr id="21" name="TextBox 20"/>
+          <p:cNvSpPr txBox="1"/>
+          <p:nvPr/>
+        </p:nvSpPr>
+        <p:spPr>
+          <a:xfrm>
+            <a:off x="5214430" y="96401"/>
+            <a:ext cx="1484630" cy="369332"/>
+          </a:xfrm>
+          <a:prstGeom prst="rect">
+            <a:avLst/>
+          </a:prstGeom>
+          <a:noFill/>
+        </p:spPr>
+        <p:txBody>
+          <a:bodyPr wrap="square" rtlCol="0">
+            <a:spAutoFit/>
+          </a:bodyPr>
+          <a:lstStyle/>
+          <a:p>
+            <a:pPr algn="ctr"/>
+            <a:r>
+              <a:rPr lang="en-US" altLang="ko-KR" dirty="0" smtClean="0"/>
+              <a:t>App</a:t>
+            </a:r>
+            <a:endParaRPr lang="ko-KR" altLang="en-US" dirty="0"/>
+          </a:p>
+        </p:txBody>
+      </p:sp>
+      <p:sp>
+        <p:nvSpPr>
+          <p:cNvPr id="22" name="TextBox 21"/>
+          <p:cNvSpPr txBox="1"/>
+          <p:nvPr/>
+        </p:nvSpPr>
+        <p:spPr>
+          <a:xfrm>
+            <a:off x="8491728" y="4036568"/>
+            <a:ext cx="1484630" cy="369332"/>
+          </a:xfrm>
+          <a:prstGeom prst="rect">
+            <a:avLst/>
+          </a:prstGeom>
+          <a:noFill/>
+        </p:spPr>
+        <p:txBody>
+          <a:bodyPr wrap="square" rtlCol="0">
+            <a:spAutoFit/>
+          </a:bodyPr>
+          <a:lstStyle/>
+          <a:p>
+            <a:pPr algn="ctr"/>
+            <a:r>
+              <a:rPr lang="en-US" altLang="ko-KR" dirty="0" err="1" smtClean="0"/>
+              <a:t>TodoList</a:t>
+            </a:r>
+            <a:endParaRPr lang="ko-KR" altLang="en-US" dirty="0"/>
+          </a:p>
+        </p:txBody>
+      </p:sp>
+      <p:sp>
+        <p:nvSpPr>
+          <p:cNvPr id="23" name="TextBox 22"/>
+          <p:cNvSpPr txBox="1"/>
+          <p:nvPr/>
+        </p:nvSpPr>
+        <p:spPr>
+          <a:xfrm>
+            <a:off x="3271330" y="1531501"/>
+            <a:ext cx="1484630" cy="369332"/>
+          </a:xfrm>
+          <a:prstGeom prst="rect">
+            <a:avLst/>
+          </a:prstGeom>
+          <a:noFill/>
+        </p:spPr>
+        <p:txBody>
+          <a:bodyPr wrap="square" rtlCol="0">
+            <a:spAutoFit/>
+          </a:bodyPr>
+          <a:lstStyle/>
+          <a:p>
+            <a:pPr algn="ctr"/>
+            <a:r>
+              <a:rPr lang="en-US" altLang="ko-KR" dirty="0" smtClean="0"/>
+              <a:t>Header</a:t>
+            </a:r>
+            <a:endParaRPr lang="ko-KR" altLang="en-US" dirty="0"/>
+          </a:p>
+        </p:txBody>
+      </p:sp>
+      <p:sp>
+        <p:nvSpPr>
+          <p:cNvPr id="24" name="TextBox 23"/>
+          <p:cNvSpPr txBox="1"/>
+          <p:nvPr/>
+        </p:nvSpPr>
+        <p:spPr>
+          <a:xfrm>
+            <a:off x="6280785" y="4036568"/>
+            <a:ext cx="1484630" cy="369332"/>
+          </a:xfrm>
+          <a:prstGeom prst="rect">
+            <a:avLst/>
+          </a:prstGeom>
+          <a:noFill/>
+        </p:spPr>
+        <p:txBody>
+          <a:bodyPr wrap="square" rtlCol="0">
+            <a:spAutoFit/>
+          </a:bodyPr>
+          <a:lstStyle/>
+          <a:p>
+            <a:pPr algn="ctr"/>
+            <a:r>
+              <a:rPr lang="en-US" altLang="ko-KR" dirty="0" err="1" smtClean="0"/>
+              <a:t>TodoEditor</a:t>
+            </a:r>
+            <a:endParaRPr lang="ko-KR" altLang="en-US" dirty="0"/>
+          </a:p>
+        </p:txBody>
+      </p:sp>
+      <p:sp>
+        <p:nvSpPr>
+          <p:cNvPr id="25" name="TextBox 24"/>
+          <p:cNvSpPr txBox="1"/>
+          <p:nvPr/>
+        </p:nvSpPr>
+        <p:spPr>
+          <a:xfrm>
+            <a:off x="7845361" y="5510125"/>
+            <a:ext cx="1484630" cy="369332"/>
+          </a:xfrm>
+          <a:prstGeom prst="rect">
+            <a:avLst/>
+          </a:prstGeom>
+          <a:noFill/>
+        </p:spPr>
+        <p:txBody>
+          <a:bodyPr wrap="square" rtlCol="0">
+            <a:spAutoFit/>
+          </a:bodyPr>
+          <a:lstStyle/>
+          <a:p>
+            <a:pPr algn="ctr"/>
+            <a:r>
+              <a:rPr lang="en-US" altLang="ko-KR" dirty="0" err="1" smtClean="0"/>
+              <a:t>TodoItem</a:t>
+            </a:r>
+            <a:endParaRPr lang="ko-KR" altLang="en-US" dirty="0"/>
+          </a:p>
+        </p:txBody>
+      </p:sp>
+      <p:cxnSp>
+        <p:nvCxnSpPr>
+          <p:cNvPr id="26" name="직선 연결선 25"/>
+          <p:cNvCxnSpPr/>
+          <p:nvPr/>
+        </p:nvCxnSpPr>
+        <p:spPr>
+          <a:xfrm>
+            <a:off x="6334252" y="581422"/>
+            <a:ext cx="1590993" cy="950079"/>
+          </a:xfrm>
+          <a:prstGeom prst="line">
+            <a:avLst/>
+          </a:prstGeom>
+        </p:spPr>
+        <p:style>
+          <a:lnRef idx="1">
+            <a:schemeClr val="accent1"/>
+          </a:lnRef>
+          <a:fillRef idx="0">
+            <a:schemeClr val="accent1"/>
+          </a:fillRef>
+          <a:effectRef idx="0">
+            <a:schemeClr val="accent1"/>
+          </a:effectRef>
+          <a:fontRef idx="minor">
+            <a:schemeClr val="tx1"/>
+          </a:fontRef>
+        </p:style>
+      </p:cxnSp>
+      <p:cxnSp>
+        <p:nvCxnSpPr>
+          <p:cNvPr id="28" name="직선 연결선 27"/>
+          <p:cNvCxnSpPr/>
+          <p:nvPr/>
+        </p:nvCxnSpPr>
+        <p:spPr>
+          <a:xfrm flipH="1">
+            <a:off x="4026345" y="581422"/>
+            <a:ext cx="1471930" cy="950079"/>
+          </a:xfrm>
+          <a:prstGeom prst="line">
+            <a:avLst/>
+          </a:prstGeom>
+        </p:spPr>
+        <p:style>
+          <a:lnRef idx="1">
+            <a:schemeClr val="accent1"/>
+          </a:lnRef>
+          <a:fillRef idx="0">
+            <a:schemeClr val="accent1"/>
+          </a:fillRef>
+          <a:effectRef idx="0">
+            <a:schemeClr val="accent1"/>
+          </a:effectRef>
+          <a:fontRef idx="minor">
+            <a:schemeClr val="tx1"/>
+          </a:fontRef>
+        </p:style>
+      </p:cxnSp>
+      <p:sp>
+        <p:nvSpPr>
+          <p:cNvPr id="2" name="모서리가 둥근 직사각형 1"/>
+          <p:cNvSpPr/>
+          <p:nvPr/>
+        </p:nvSpPr>
+        <p:spPr>
+          <a:xfrm>
+            <a:off x="5041900" y="1255776"/>
+            <a:ext cx="6759956" cy="5179703"/>
+          </a:xfrm>
+          <a:prstGeom prst="roundRect">
+            <a:avLst/>
+          </a:prstGeom>
+          <a:noFill/>
+          <a:ln w="19050"/>
+        </p:spPr>
+        <p:style>
+          <a:lnRef idx="2">
+            <a:schemeClr val="accent1">
+              <a:shade val="50000"/>
+            </a:schemeClr>
+          </a:lnRef>
+          <a:fillRef idx="1">
+            <a:schemeClr val="accent1"/>
+          </a:fillRef>
+          <a:effectRef idx="0">
+            <a:schemeClr val="accent1"/>
+          </a:effectRef>
+          <a:fontRef idx="minor">
+            <a:schemeClr val="lt1"/>
+          </a:fontRef>
+        </p:style>
+        <p:txBody>
+          <a:bodyPr rtlCol="0" anchor="ctr"/>
+          <a:lstStyle/>
+          <a:p>
+            <a:pPr algn="ctr"/>
+            <a:endParaRPr lang="ko-KR" altLang="en-US"/>
+          </a:p>
+        </p:txBody>
+      </p:sp>
+      <p:sp>
+        <p:nvSpPr>
+          <p:cNvPr id="14" name="TextBox 13"/>
+          <p:cNvSpPr txBox="1"/>
+          <p:nvPr/>
+        </p:nvSpPr>
+        <p:spPr>
+          <a:xfrm>
+            <a:off x="6885686" y="1531501"/>
+            <a:ext cx="4696714" cy="369332"/>
+          </a:xfrm>
+          <a:prstGeom prst="rect">
+            <a:avLst/>
+          </a:prstGeom>
+          <a:noFill/>
+        </p:spPr>
+        <p:txBody>
+          <a:bodyPr wrap="square" rtlCol="0">
+            <a:spAutoFit/>
+          </a:bodyPr>
+          <a:lstStyle/>
+          <a:p>
+            <a:pPr algn="ctr"/>
+            <a:r>
+              <a:rPr lang="en-US" altLang="ko-KR" dirty="0" err="1" smtClean="0"/>
+              <a:t>TodoStateContext</a:t>
+            </a:r>
+            <a:r>
+              <a:rPr lang="en-US" altLang="ko-KR" dirty="0" smtClean="0"/>
+              <a:t> =&gt; 1</a:t>
+            </a:r>
+            <a:r>
+              <a:rPr lang="ko-KR" altLang="en-US" dirty="0" smtClean="0"/>
+              <a:t>차 데이터 보관소</a:t>
+            </a:r>
+            <a:endParaRPr lang="ko-KR" altLang="en-US" dirty="0"/>
+          </a:p>
+        </p:txBody>
+      </p:sp>
+      <p:cxnSp>
+        <p:nvCxnSpPr>
+          <p:cNvPr id="7" name="직선 화살표 연결선 6"/>
+          <p:cNvCxnSpPr/>
+          <p:nvPr/>
+        </p:nvCxnSpPr>
+        <p:spPr>
+          <a:xfrm>
+            <a:off x="7943371" y="3258428"/>
+            <a:ext cx="455947" cy="2093556"/>
+          </a:xfrm>
+          <a:prstGeom prst="straightConnector1">
+            <a:avLst/>
+          </a:prstGeom>
+          <a:ln>
+            <a:tailEnd type="triangle"/>
+          </a:ln>
+        </p:spPr>
+        <p:style>
+          <a:lnRef idx="1">
+            <a:schemeClr val="accent1"/>
+          </a:lnRef>
+          <a:fillRef idx="0">
+            <a:schemeClr val="accent1"/>
+          </a:fillRef>
+          <a:effectRef idx="0">
+            <a:schemeClr val="accent1"/>
+          </a:effectRef>
+          <a:fontRef idx="minor">
+            <a:schemeClr val="tx1"/>
+          </a:fontRef>
+        </p:style>
+      </p:cxnSp>
+      <p:cxnSp>
+        <p:nvCxnSpPr>
+          <p:cNvPr id="27" name="직선 화살표 연결선 26"/>
+          <p:cNvCxnSpPr/>
+          <p:nvPr/>
+        </p:nvCxnSpPr>
+        <p:spPr>
+          <a:xfrm flipH="1">
+            <a:off x="7120636" y="3324088"/>
+            <a:ext cx="212438" cy="712480"/>
+          </a:xfrm>
+          <a:prstGeom prst="straightConnector1">
+            <a:avLst/>
+          </a:prstGeom>
+          <a:ln>
+            <a:tailEnd type="triangle"/>
+          </a:ln>
+        </p:spPr>
+        <p:style>
+          <a:lnRef idx="1">
+            <a:schemeClr val="accent1"/>
+          </a:lnRef>
+          <a:fillRef idx="0">
+            <a:schemeClr val="accent1"/>
+          </a:fillRef>
+          <a:effectRef idx="0">
+            <a:schemeClr val="accent1"/>
+          </a:effectRef>
+          <a:fontRef idx="minor">
+            <a:schemeClr val="tx1"/>
+          </a:fontRef>
+        </p:style>
+      </p:cxnSp>
+      <p:sp>
+        <p:nvSpPr>
+          <p:cNvPr id="15" name="TextBox 14"/>
+          <p:cNvSpPr txBox="1"/>
+          <p:nvPr/>
+        </p:nvSpPr>
+        <p:spPr>
+          <a:xfrm>
+            <a:off x="6334252" y="2730956"/>
+            <a:ext cx="5150612" cy="369332"/>
+          </a:xfrm>
+          <a:prstGeom prst="rect">
+            <a:avLst/>
+          </a:prstGeom>
+          <a:noFill/>
+        </p:spPr>
+        <p:txBody>
+          <a:bodyPr wrap="square" rtlCol="0">
+            <a:spAutoFit/>
+          </a:bodyPr>
+          <a:lstStyle/>
+          <a:p>
+            <a:pPr algn="ctr"/>
+            <a:r>
+              <a:rPr lang="en-US" altLang="ko-KR" dirty="0" err="1" smtClean="0"/>
+              <a:t>TodoDispatchContext</a:t>
+            </a:r>
+            <a:r>
+              <a:rPr lang="en-US" altLang="ko-KR" dirty="0" smtClean="0"/>
+              <a:t> =&gt; 2</a:t>
+            </a:r>
+            <a:r>
+              <a:rPr lang="ko-KR" altLang="en-US" dirty="0" smtClean="0"/>
+              <a:t>차 데이터 보관소</a:t>
+            </a:r>
+            <a:endParaRPr lang="ko-KR" altLang="en-US" dirty="0"/>
+          </a:p>
+        </p:txBody>
+      </p:sp>
+      <p:cxnSp>
+        <p:nvCxnSpPr>
+          <p:cNvPr id="17" name="직선 화살표 연결선 16"/>
+          <p:cNvCxnSpPr/>
+          <p:nvPr/>
+        </p:nvCxnSpPr>
+        <p:spPr>
+          <a:xfrm>
+            <a:off x="8680100" y="2006989"/>
+            <a:ext cx="553943" cy="2000623"/>
+          </a:xfrm>
+          <a:prstGeom prst="straightConnector1">
+            <a:avLst/>
+          </a:prstGeom>
+          <a:ln>
+            <a:tailEnd type="triangle"/>
+          </a:ln>
+        </p:spPr>
+        <p:style>
+          <a:lnRef idx="1">
+            <a:schemeClr val="accent1"/>
+          </a:lnRef>
+          <a:fillRef idx="0">
+            <a:schemeClr val="accent1"/>
+          </a:fillRef>
+          <a:effectRef idx="0">
+            <a:schemeClr val="accent1"/>
+          </a:effectRef>
+          <a:fontRef idx="minor">
+            <a:schemeClr val="tx1"/>
+          </a:fontRef>
+        </p:style>
+      </p:cxnSp>
+      <p:sp>
+        <p:nvSpPr>
+          <p:cNvPr id="29" name="TextBox 28"/>
+          <p:cNvSpPr txBox="1"/>
+          <p:nvPr/>
+        </p:nvSpPr>
+        <p:spPr>
+          <a:xfrm>
+            <a:off x="8924273" y="3369284"/>
+            <a:ext cx="1796146" cy="369332"/>
+          </a:xfrm>
+          <a:prstGeom prst="rect">
+            <a:avLst/>
+          </a:prstGeom>
+          <a:noFill/>
+        </p:spPr>
+        <p:txBody>
+          <a:bodyPr wrap="square" rtlCol="0">
+            <a:spAutoFit/>
+          </a:bodyPr>
+          <a:lstStyle/>
+          <a:p>
+            <a:pPr algn="ctr"/>
+            <a:r>
+              <a:rPr lang="en-US" altLang="ko-KR" dirty="0" err="1" smtClean="0">
+                <a:solidFill>
+                  <a:srgbClr val="FF0000"/>
+                </a:solidFill>
+              </a:rPr>
+              <a:t>Todo</a:t>
+            </a:r>
+            <a:r>
+              <a:rPr lang="en-US" altLang="ko-KR" dirty="0" smtClean="0">
+                <a:solidFill>
+                  <a:srgbClr val="FF0000"/>
+                </a:solidFill>
+              </a:rPr>
+              <a:t> </a:t>
+            </a:r>
+            <a:r>
+              <a:rPr lang="ko-KR" altLang="en-US" dirty="0" smtClean="0">
+                <a:solidFill>
+                  <a:srgbClr val="FF0000"/>
+                </a:solidFill>
+              </a:rPr>
+              <a:t>데이터</a:t>
+            </a:r>
+            <a:endParaRPr lang="ko-KR" altLang="en-US" dirty="0">
+              <a:solidFill>
+                <a:srgbClr val="FF0000"/>
+              </a:solidFill>
+            </a:endParaRPr>
+          </a:p>
+        </p:txBody>
+      </p:sp>
+      <p:sp>
+        <p:nvSpPr>
+          <p:cNvPr id="30" name="TextBox 29"/>
+          <p:cNvSpPr txBox="1"/>
+          <p:nvPr/>
+        </p:nvSpPr>
+        <p:spPr>
+          <a:xfrm>
+            <a:off x="8236583" y="4708612"/>
+            <a:ext cx="2483835" cy="646331"/>
+          </a:xfrm>
+          <a:prstGeom prst="rect">
+            <a:avLst/>
+          </a:prstGeom>
+          <a:noFill/>
+        </p:spPr>
+        <p:txBody>
+          <a:bodyPr wrap="square" rtlCol="0">
+            <a:spAutoFit/>
+          </a:bodyPr>
+          <a:lstStyle/>
+          <a:p>
+            <a:pPr algn="ctr"/>
+            <a:r>
+              <a:rPr lang="en-US" altLang="ko-KR" dirty="0" err="1" smtClean="0">
+                <a:solidFill>
+                  <a:srgbClr val="FF0000"/>
+                </a:solidFill>
+              </a:rPr>
+              <a:t>onUpdate</a:t>
+            </a:r>
+            <a:r>
+              <a:rPr lang="en-US" altLang="ko-KR" dirty="0" smtClean="0">
+                <a:solidFill>
+                  <a:srgbClr val="FF0000"/>
+                </a:solidFill>
+              </a:rPr>
+              <a:t>( ) </a:t>
+            </a:r>
+            <a:r>
+              <a:rPr lang="ko-KR" altLang="en-US" dirty="0" smtClean="0">
+                <a:solidFill>
+                  <a:srgbClr val="FF0000"/>
+                </a:solidFill>
+              </a:rPr>
+              <a:t>데이터</a:t>
+            </a:r>
+            <a:endParaRPr lang="en-US" altLang="ko-KR" dirty="0" smtClean="0">
+              <a:solidFill>
+                <a:srgbClr val="FF0000"/>
+              </a:solidFill>
+            </a:endParaRPr>
+          </a:p>
+          <a:p>
+            <a:pPr algn="ctr"/>
+            <a:r>
+              <a:rPr lang="en-US" altLang="ko-KR" dirty="0" err="1" smtClean="0">
+                <a:solidFill>
+                  <a:srgbClr val="FF0000"/>
+                </a:solidFill>
+              </a:rPr>
+              <a:t>onDelete</a:t>
+            </a:r>
+            <a:r>
+              <a:rPr lang="en-US" altLang="ko-KR" dirty="0" smtClean="0">
+                <a:solidFill>
+                  <a:srgbClr val="FF0000"/>
+                </a:solidFill>
+              </a:rPr>
+              <a:t>( ) </a:t>
+            </a:r>
+            <a:r>
+              <a:rPr lang="ko-KR" altLang="en-US" dirty="0" smtClean="0">
+                <a:solidFill>
+                  <a:srgbClr val="FF0000"/>
+                </a:solidFill>
+              </a:rPr>
+              <a:t>데이터</a:t>
+            </a:r>
+            <a:endParaRPr lang="ko-KR" altLang="en-US" dirty="0">
+              <a:solidFill>
+                <a:srgbClr val="FF0000"/>
+              </a:solidFill>
+            </a:endParaRPr>
+          </a:p>
+        </p:txBody>
+      </p:sp>
+      <p:sp>
+        <p:nvSpPr>
+          <p:cNvPr id="31" name="TextBox 30"/>
+          <p:cNvSpPr txBox="1"/>
+          <p:nvPr/>
+        </p:nvSpPr>
+        <p:spPr>
+          <a:xfrm>
+            <a:off x="5127679" y="3481145"/>
+            <a:ext cx="2274402" cy="369332"/>
+          </a:xfrm>
+          <a:prstGeom prst="rect">
+            <a:avLst/>
+          </a:prstGeom>
+          <a:noFill/>
+        </p:spPr>
+        <p:txBody>
+          <a:bodyPr wrap="square" rtlCol="0">
+            <a:spAutoFit/>
+          </a:bodyPr>
+          <a:lstStyle/>
+          <a:p>
+            <a:pPr algn="ctr"/>
+            <a:r>
+              <a:rPr lang="en-US" altLang="ko-KR" dirty="0" err="1" smtClean="0">
+                <a:solidFill>
+                  <a:srgbClr val="FF0000"/>
+                </a:solidFill>
+              </a:rPr>
+              <a:t>onCreate</a:t>
+            </a:r>
+            <a:r>
+              <a:rPr lang="en-US" altLang="ko-KR" dirty="0" smtClean="0">
+                <a:solidFill>
+                  <a:srgbClr val="FF0000"/>
+                </a:solidFill>
+              </a:rPr>
+              <a:t>( ) </a:t>
+            </a:r>
+            <a:r>
+              <a:rPr lang="ko-KR" altLang="en-US" dirty="0" smtClean="0">
+                <a:solidFill>
+                  <a:srgbClr val="FF0000"/>
+                </a:solidFill>
+              </a:rPr>
+              <a:t>데이터</a:t>
+            </a:r>
+            <a:endParaRPr lang="ko-KR" altLang="en-US" dirty="0">
+              <a:solidFill>
+                <a:srgbClr val="FF0000"/>
+              </a:solidFill>
+            </a:endParaRPr>
+          </a:p>
+        </p:txBody>
+      </p:sp>
+      <p:cxnSp>
+        <p:nvCxnSpPr>
+          <p:cNvPr id="32" name="직선 연결선 31"/>
+          <p:cNvCxnSpPr/>
+          <p:nvPr/>
+        </p:nvCxnSpPr>
+        <p:spPr>
+          <a:xfrm>
+            <a:off x="5968857" y="681367"/>
+            <a:ext cx="1257998" cy="2049589"/>
+          </a:xfrm>
+          <a:prstGeom prst="line">
+            <a:avLst/>
+          </a:prstGeom>
+        </p:spPr>
+        <p:style>
+          <a:lnRef idx="1">
+            <a:schemeClr val="accent1"/>
+          </a:lnRef>
+          <a:fillRef idx="0">
+            <a:schemeClr val="accent1"/>
+          </a:fillRef>
+          <a:effectRef idx="0">
+            <a:schemeClr val="accent1"/>
+          </a:effectRef>
+          <a:fontRef idx="minor">
+            <a:schemeClr val="tx1"/>
+          </a:fontRef>
+        </p:style>
+      </p:cxnSp>
+    </p:spTree>
+    <p:extLst>
+      <p:ext uri="{BB962C8B-B14F-4D97-AF65-F5344CB8AC3E}">
+        <p14:creationId xmlns:p14="http://schemas.microsoft.com/office/powerpoint/2010/main" val="1144774740"/>
+      </p:ext>
+    </p:extLst>
+  </p:cSld>
+  <p:clrMapOvr>
+    <a:masterClrMapping/>
+  </p:clrMapOvr>
+</p:sld>
+</file>
+
 <file path=ppt/theme/theme1.xml><?xml version="1.0" encoding="utf-8"?>
 <a:theme xmlns:a="http://schemas.openxmlformats.org/drawingml/2006/main" name="Office 테마">
   <a:themeElements>
